--- a/bai 14.pptx
+++ b/bai 14.pptx
@@ -116,7 +116,7 @@
   </p:defaultTextStyle>
   <p:extLst>
     <p:ext uri="{EFAFB233-063F-42B5-8137-9DF3F51BA10A}">
-      <p15:sldGuideLst xmlns="" xmlns:p15="http://schemas.microsoft.com/office/powerpoint/2012/main">
+      <p15:sldGuideLst xmlns:p15="http://schemas.microsoft.com/office/powerpoint/2012/main" xmlns="">
         <p15:guide id="1" orient="horz" pos="2160">
           <p15:clr>
             <a:srgbClr val="A4A3A4"/>
@@ -215,7 +215,7 @@
           <a:p>
             <a:fld id="{B9C5674D-420A-4DB0-A4DC-EC1BE1388C90}" type="datetimeFigureOut">
               <a:rPr lang="en-US" smtClean="0"/>
-              <a:t>10/16/2018</a:t>
+              <a:t>10/17/2018</a:t>
             </a:fld>
             <a:endParaRPr lang="en-US"/>
           </a:p>
@@ -614,7 +614,7 @@
           <a:p>
             <a:fld id="{F2C6770F-E393-4299-ACD8-CDA982FD25FA}" type="datetimeFigureOut">
               <a:rPr lang="en-US" smtClean="0"/>
-              <a:t>10/16/2018</a:t>
+              <a:t>10/17/2018</a:t>
             </a:fld>
             <a:endParaRPr lang="en-US"/>
           </a:p>
@@ -784,7 +784,7 @@
           <a:p>
             <a:fld id="{F2C6770F-E393-4299-ACD8-CDA982FD25FA}" type="datetimeFigureOut">
               <a:rPr lang="en-US" smtClean="0"/>
-              <a:t>10/16/2018</a:t>
+              <a:t>10/17/2018</a:t>
             </a:fld>
             <a:endParaRPr lang="en-US"/>
           </a:p>
@@ -965,7 +965,7 @@
           <a:p>
             <a:fld id="{F2C6770F-E393-4299-ACD8-CDA982FD25FA}" type="datetimeFigureOut">
               <a:rPr lang="en-US" smtClean="0"/>
-              <a:t>10/16/2018</a:t>
+              <a:t>10/17/2018</a:t>
             </a:fld>
             <a:endParaRPr lang="en-US"/>
           </a:p>
@@ -2586,7 +2586,7 @@
           <a:p>
             <a:fld id="{F2C6770F-E393-4299-ACD8-CDA982FD25FA}" type="datetimeFigureOut">
               <a:rPr lang="en-US" smtClean="0"/>
-              <a:t>10/16/2018</a:t>
+              <a:t>10/17/2018</a:t>
             </a:fld>
             <a:endParaRPr lang="en-US"/>
           </a:p>
@@ -2866,7 +2866,7 @@
                 </a:solidFill>
               </a:rPr>
               <a:pPr/>
-              <a:t>10/16/2018</a:t>
+              <a:t>10/17/2018</a:t>
             </a:fld>
             <a:endParaRPr lang="en-US">
               <a:solidFill>
@@ -3137,7 +3137,7 @@
           <a:p>
             <a:fld id="{F2C6770F-E393-4299-ACD8-CDA982FD25FA}" type="datetimeFigureOut">
               <a:rPr lang="en-US" smtClean="0"/>
-              <a:t>10/16/2018</a:t>
+              <a:t>10/17/2018</a:t>
             </a:fld>
             <a:endParaRPr lang="en-US"/>
           </a:p>
@@ -3369,7 +3369,7 @@
           <a:p>
             <a:fld id="{F2C6770F-E393-4299-ACD8-CDA982FD25FA}" type="datetimeFigureOut">
               <a:rPr lang="en-US" smtClean="0"/>
-              <a:t>10/16/2018</a:t>
+              <a:t>10/17/2018</a:t>
             </a:fld>
             <a:endParaRPr lang="en-US"/>
           </a:p>
@@ -3736,7 +3736,7 @@
           <a:p>
             <a:fld id="{F2C6770F-E393-4299-ACD8-CDA982FD25FA}" type="datetimeFigureOut">
               <a:rPr lang="en-US" smtClean="0"/>
-              <a:t>10/16/2018</a:t>
+              <a:t>10/17/2018</a:t>
             </a:fld>
             <a:endParaRPr lang="en-US"/>
           </a:p>
@@ -3854,7 +3854,7 @@
           <a:p>
             <a:fld id="{F2C6770F-E393-4299-ACD8-CDA982FD25FA}" type="datetimeFigureOut">
               <a:rPr lang="en-US" smtClean="0"/>
-              <a:t>10/16/2018</a:t>
+              <a:t>10/17/2018</a:t>
             </a:fld>
             <a:endParaRPr lang="en-US"/>
           </a:p>
@@ -3949,7 +3949,7 @@
           <a:p>
             <a:fld id="{F2C6770F-E393-4299-ACD8-CDA982FD25FA}" type="datetimeFigureOut">
               <a:rPr lang="en-US" smtClean="0"/>
-              <a:t>10/16/2018</a:t>
+              <a:t>10/17/2018</a:t>
             </a:fld>
             <a:endParaRPr lang="en-US"/>
           </a:p>
@@ -4226,7 +4226,7 @@
           <a:p>
             <a:fld id="{F2C6770F-E393-4299-ACD8-CDA982FD25FA}" type="datetimeFigureOut">
               <a:rPr lang="en-US" smtClean="0"/>
-              <a:t>10/16/2018</a:t>
+              <a:t>10/17/2018</a:t>
             </a:fld>
             <a:endParaRPr lang="en-US"/>
           </a:p>
@@ -4479,7 +4479,7 @@
           <a:p>
             <a:fld id="{87D4246E-E8B1-4AE6-A578-960906E90A8F}" type="datetimeFigureOut">
               <a:rPr lang="en-US" smtClean="0"/>
-              <a:t>10/16/2018</a:t>
+              <a:t>10/17/2018</a:t>
             </a:fld>
             <a:endParaRPr lang="en-US"/>
           </a:p>
@@ -4692,7 +4692,7 @@
           <a:p>
             <a:fld id="{F2C6770F-E393-4299-ACD8-CDA982FD25FA}" type="datetimeFigureOut">
               <a:rPr lang="en-US" smtClean="0"/>
-              <a:t>10/16/2018</a:t>
+              <a:t>10/17/2018</a:t>
             </a:fld>
             <a:endParaRPr lang="en-US"/>
           </a:p>
@@ -9792,343 +9792,6 @@
       </p:grpSpPr>
       <p:sp>
         <p:nvSpPr>
-          <p:cNvPr id="2" name="TextBox 1"/>
-          <p:cNvSpPr txBox="1"/>
-          <p:nvPr/>
-        </p:nvSpPr>
-        <p:spPr>
-          <a:xfrm>
-            <a:off x="260959" y="1219201"/>
-            <a:ext cx="2787041" cy="5139869"/>
-          </a:xfrm>
-          <a:prstGeom prst="rect">
-            <a:avLst/>
-          </a:prstGeom>
-          <a:noFill/>
-        </p:spPr>
-        <p:txBody>
-          <a:bodyPr wrap="square" rtlCol="0">
-            <a:spAutoFit/>
-          </a:bodyPr>
-          <a:lstStyle/>
-          <a:p>
-            <a:pPr>
-              <a:lnSpc>
-                <a:spcPct val="115000"/>
-              </a:lnSpc>
-              <a:spcAft>
-                <a:spcPts val="1000"/>
-              </a:spcAft>
-            </a:pPr>
-            <a:r>
-              <a:rPr lang="vi-VN" sz="2200" dirty="0" smtClean="0">
-                <a:latin typeface="Times New Roman" pitchFamily="18" charset="0"/>
-                <a:ea typeface="MS Mincho"/>
-                <a:cs typeface="Times New Roman" pitchFamily="18" charset="0"/>
-              </a:rPr>
-              <a:t>Sáng ra </a:t>
-            </a:r>
-            <a:r>
-              <a:rPr lang="vi-VN" sz="2200" dirty="0" smtClean="0">
-                <a:solidFill>
-                  <a:srgbClr val="FF0000"/>
-                </a:solidFill>
-                <a:latin typeface="Times New Roman" pitchFamily="18" charset="0"/>
-                <a:ea typeface="MS Mincho"/>
-                <a:cs typeface="Times New Roman" pitchFamily="18" charset="0"/>
-              </a:rPr>
-              <a:t>thức</a:t>
-            </a:r>
-            <a:r>
-              <a:rPr lang="vi-VN" sz="2200" dirty="0" smtClean="0">
-                <a:latin typeface="Times New Roman" pitchFamily="18" charset="0"/>
-                <a:ea typeface="MS Mincho"/>
-                <a:cs typeface="Times New Roman" pitchFamily="18" charset="0"/>
-              </a:rPr>
-              <a:t> giấc</a:t>
-            </a:r>
-          </a:p>
-          <a:p>
-            <a:pPr>
-              <a:lnSpc>
-                <a:spcPct val="115000"/>
-              </a:lnSpc>
-              <a:spcAft>
-                <a:spcPts val="1000"/>
-              </a:spcAft>
-            </a:pPr>
-            <a:r>
-              <a:rPr lang="vi-VN" sz="2200" dirty="0" smtClean="0">
-                <a:latin typeface="Times New Roman" pitchFamily="18" charset="0"/>
-                <a:ea typeface="MS Mincho"/>
-                <a:cs typeface="Times New Roman" pitchFamily="18" charset="0"/>
-              </a:rPr>
-              <a:t>Bước </a:t>
-            </a:r>
-            <a:r>
-              <a:rPr lang="vi-VN" sz="2200" dirty="0" smtClean="0">
-                <a:solidFill>
-                  <a:srgbClr val="FF0000"/>
-                </a:solidFill>
-                <a:latin typeface="Times New Roman" pitchFamily="18" charset="0"/>
-                <a:ea typeface="MS Mincho"/>
-                <a:cs typeface="Times New Roman" pitchFamily="18" charset="0"/>
-              </a:rPr>
-              <a:t>xuống</a:t>
-            </a:r>
-            <a:r>
-              <a:rPr lang="vi-VN" sz="2200" dirty="0" smtClean="0">
-                <a:latin typeface="Times New Roman" pitchFamily="18" charset="0"/>
-                <a:ea typeface="MS Mincho"/>
-                <a:cs typeface="Times New Roman" pitchFamily="18" charset="0"/>
-              </a:rPr>
-              <a:t> giường </a:t>
-            </a:r>
-          </a:p>
-          <a:p>
-            <a:pPr>
-              <a:lnSpc>
-                <a:spcPct val="115000"/>
-              </a:lnSpc>
-              <a:spcAft>
-                <a:spcPts val="1000"/>
-              </a:spcAft>
-            </a:pPr>
-            <a:r>
-              <a:rPr lang="vi-VN" sz="2200" dirty="0" smtClean="0">
-                <a:latin typeface="Times New Roman" pitchFamily="18" charset="0"/>
-                <a:ea typeface="MS Mincho"/>
-                <a:cs typeface="Times New Roman" pitchFamily="18" charset="0"/>
-              </a:rPr>
-              <a:t>Đi </a:t>
-            </a:r>
-            <a:r>
-              <a:rPr lang="vi-VN" sz="2200" dirty="0" smtClean="0">
-                <a:solidFill>
-                  <a:srgbClr val="FF0000"/>
-                </a:solidFill>
-                <a:latin typeface="Times New Roman" pitchFamily="18" charset="0"/>
-                <a:ea typeface="MS Mincho"/>
-                <a:cs typeface="Times New Roman" pitchFamily="18" charset="0"/>
-              </a:rPr>
-              <a:t>tắm</a:t>
-            </a:r>
-          </a:p>
-          <a:p>
-            <a:pPr>
-              <a:lnSpc>
-                <a:spcPct val="115000"/>
-              </a:lnSpc>
-              <a:spcAft>
-                <a:spcPts val="1000"/>
-              </a:spcAft>
-            </a:pPr>
-            <a:r>
-              <a:rPr lang="vi-VN" sz="2200" dirty="0" smtClean="0">
-                <a:solidFill>
-                  <a:srgbClr val="FF0000"/>
-                </a:solidFill>
-                <a:latin typeface="Times New Roman" pitchFamily="18" charset="0"/>
-                <a:ea typeface="MS Mincho"/>
-                <a:cs typeface="Times New Roman" pitchFamily="18" charset="0"/>
-              </a:rPr>
-              <a:t>Mặc</a:t>
-            </a:r>
-            <a:r>
-              <a:rPr lang="vi-VN" sz="2200" dirty="0" smtClean="0">
-                <a:latin typeface="Times New Roman" pitchFamily="18" charset="0"/>
-                <a:ea typeface="MS Mincho"/>
-                <a:cs typeface="Times New Roman" pitchFamily="18" charset="0"/>
-              </a:rPr>
-              <a:t> quần áo</a:t>
-            </a:r>
-          </a:p>
-          <a:p>
-            <a:pPr>
-              <a:lnSpc>
-                <a:spcPct val="115000"/>
-              </a:lnSpc>
-              <a:spcAft>
-                <a:spcPts val="1000"/>
-              </a:spcAft>
-            </a:pPr>
-            <a:r>
-              <a:rPr lang="vi-VN" sz="2200" dirty="0" smtClean="0">
-                <a:latin typeface="Times New Roman" pitchFamily="18" charset="0"/>
-                <a:ea typeface="MS Mincho"/>
-                <a:cs typeface="Times New Roman" pitchFamily="18" charset="0"/>
-              </a:rPr>
-              <a:t>Đánh </a:t>
-            </a:r>
-            <a:r>
-              <a:rPr lang="vi-VN" sz="2200" dirty="0" smtClean="0">
-                <a:solidFill>
-                  <a:srgbClr val="FF0000"/>
-                </a:solidFill>
-                <a:latin typeface="Times New Roman" pitchFamily="18" charset="0"/>
-                <a:ea typeface="MS Mincho"/>
-                <a:cs typeface="Times New Roman" pitchFamily="18" charset="0"/>
-              </a:rPr>
-              <a:t>rơi</a:t>
-            </a:r>
-            <a:r>
-              <a:rPr lang="vi-VN" sz="2200" dirty="0" smtClean="0">
-                <a:latin typeface="Times New Roman" pitchFamily="18" charset="0"/>
-                <a:ea typeface="MS Mincho"/>
-                <a:cs typeface="Times New Roman" pitchFamily="18" charset="0"/>
-              </a:rPr>
-              <a:t> tiền</a:t>
-            </a:r>
-          </a:p>
-          <a:p>
-            <a:pPr>
-              <a:lnSpc>
-                <a:spcPct val="115000"/>
-              </a:lnSpc>
-              <a:spcAft>
-                <a:spcPts val="1000"/>
-              </a:spcAft>
-            </a:pPr>
-            <a:r>
-              <a:rPr lang="vi-VN" sz="2200" dirty="0" smtClean="0">
-                <a:solidFill>
-                  <a:srgbClr val="FF0000"/>
-                </a:solidFill>
-                <a:latin typeface="Times New Roman" pitchFamily="18" charset="0"/>
-                <a:ea typeface="MS Mincho"/>
-                <a:cs typeface="Times New Roman" pitchFamily="18" charset="0"/>
-              </a:rPr>
-              <a:t>Có</a:t>
-            </a:r>
-            <a:r>
-              <a:rPr lang="vi-VN" sz="2200" dirty="0" smtClean="0">
-                <a:latin typeface="Times New Roman" pitchFamily="18" charset="0"/>
-                <a:ea typeface="MS Mincho"/>
-                <a:cs typeface="Times New Roman" pitchFamily="18" charset="0"/>
-              </a:rPr>
-              <a:t> người đến</a:t>
-            </a:r>
-          </a:p>
-          <a:p>
-            <a:pPr>
-              <a:lnSpc>
-                <a:spcPct val="115000"/>
-              </a:lnSpc>
-              <a:spcAft>
-                <a:spcPts val="1000"/>
-              </a:spcAft>
-            </a:pPr>
-            <a:r>
-              <a:rPr lang="vi-VN" sz="2200" dirty="0" smtClean="0">
-                <a:solidFill>
-                  <a:srgbClr val="FF0000"/>
-                </a:solidFill>
-                <a:latin typeface="Times New Roman" pitchFamily="18" charset="0"/>
-                <a:ea typeface="MS Mincho"/>
-                <a:cs typeface="Times New Roman" pitchFamily="18" charset="0"/>
-              </a:rPr>
-              <a:t>Va</a:t>
-            </a:r>
-            <a:r>
-              <a:rPr lang="vi-VN" sz="2200" dirty="0" smtClean="0">
-                <a:latin typeface="Times New Roman" pitchFamily="18" charset="0"/>
-                <a:ea typeface="MS Mincho"/>
-                <a:cs typeface="Times New Roman" pitchFamily="18" charset="0"/>
-              </a:rPr>
-              <a:t>y tiền</a:t>
-            </a:r>
-          </a:p>
-          <a:p>
-            <a:pPr>
-              <a:lnSpc>
-                <a:spcPct val="115000"/>
-              </a:lnSpc>
-              <a:spcAft>
-                <a:spcPts val="1000"/>
-              </a:spcAft>
-            </a:pPr>
-            <a:r>
-              <a:rPr lang="vi-VN" sz="2200" dirty="0" smtClean="0">
-                <a:latin typeface="Times New Roman" pitchFamily="18" charset="0"/>
-                <a:ea typeface="MS Mincho"/>
-                <a:cs typeface="Times New Roman" pitchFamily="18" charset="0"/>
-              </a:rPr>
-              <a:t>Cho </a:t>
-            </a:r>
-            <a:r>
-              <a:rPr lang="vi-VN" sz="2200" dirty="0" smtClean="0">
-                <a:solidFill>
-                  <a:srgbClr val="FF0000"/>
-                </a:solidFill>
-                <a:latin typeface="Times New Roman" pitchFamily="18" charset="0"/>
-                <a:ea typeface="MS Mincho"/>
-                <a:cs typeface="Times New Roman" pitchFamily="18" charset="0"/>
-              </a:rPr>
-              <a:t>đủ</a:t>
-            </a:r>
-          </a:p>
-          <a:p>
-            <a:pPr>
-              <a:lnSpc>
-                <a:spcPct val="115000"/>
-              </a:lnSpc>
-              <a:spcAft>
-                <a:spcPts val="1000"/>
-              </a:spcAft>
-            </a:pPr>
-            <a:r>
-              <a:rPr lang="vi-VN" sz="2200" dirty="0" smtClean="0">
-                <a:latin typeface="Times New Roman" pitchFamily="18" charset="0"/>
-                <a:ea typeface="MS Mincho"/>
-                <a:cs typeface="Times New Roman" pitchFamily="18" charset="0"/>
-              </a:rPr>
-              <a:t>Để </a:t>
-            </a:r>
-            <a:r>
-              <a:rPr lang="vi-VN" sz="2200" dirty="0" smtClean="0">
-                <a:solidFill>
-                  <a:srgbClr val="FF0000"/>
-                </a:solidFill>
-                <a:latin typeface="Times New Roman" pitchFamily="18" charset="0"/>
-                <a:ea typeface="MS Mincho"/>
-                <a:cs typeface="Times New Roman" pitchFamily="18" charset="0"/>
-              </a:rPr>
-              <a:t>có thể</a:t>
-            </a:r>
-          </a:p>
-          <a:p>
-            <a:pPr>
-              <a:lnSpc>
-                <a:spcPct val="115000"/>
-              </a:lnSpc>
-              <a:spcAft>
-                <a:spcPts val="1000"/>
-              </a:spcAft>
-            </a:pPr>
-            <a:r>
-              <a:rPr lang="vi-VN" sz="2200" dirty="0" smtClean="0">
-                <a:solidFill>
-                  <a:srgbClr val="FF0000"/>
-                </a:solidFill>
-                <a:latin typeface="Times New Roman" pitchFamily="18" charset="0"/>
-                <a:ea typeface="MS Mincho"/>
-                <a:cs typeface="Times New Roman" pitchFamily="18" charset="0"/>
-              </a:rPr>
-              <a:t>Xem</a:t>
-            </a:r>
-            <a:r>
-              <a:rPr lang="vi-VN" sz="2200" dirty="0" smtClean="0">
-                <a:latin typeface="Times New Roman" pitchFamily="18" charset="0"/>
-                <a:ea typeface="MS Mincho"/>
-                <a:cs typeface="Times New Roman" pitchFamily="18" charset="0"/>
-              </a:rPr>
-              <a:t> phim </a:t>
-            </a:r>
-          </a:p>
-        </p:txBody>
-      </p:sp>
-      <p:sp>
-        <p:nvSpPr>
           <p:cNvPr id="5" name="TextBox 4"/>
           <p:cNvSpPr txBox="1"/>
           <p:nvPr/>
@@ -10544,404 +10207,898 @@
           </a:p>
         </p:txBody>
       </p:sp>
-      <p:sp>
-        <p:nvSpPr>
-          <p:cNvPr id="7" name="TextBox 6"/>
-          <p:cNvSpPr txBox="1"/>
-          <p:nvPr/>
-        </p:nvSpPr>
-        <p:spPr>
-          <a:xfrm>
-            <a:off x="3505200" y="1371600"/>
-            <a:ext cx="3429000" cy="4401205"/>
-          </a:xfrm>
-          <a:prstGeom prst="rect">
-            <a:avLst/>
-          </a:prstGeom>
-          <a:noFill/>
-        </p:spPr>
-        <p:txBody>
-          <a:bodyPr wrap="square" rtlCol="0">
-            <a:spAutoFit/>
-          </a:bodyPr>
-          <a:lstStyle/>
-          <a:p>
-            <a:r>
-              <a:rPr lang="ja-JP" altLang="en-US" sz="2800" dirty="0" smtClean="0">
-                <a:solidFill>
-                  <a:prstClr val="black"/>
-                </a:solidFill>
-                <a:latin typeface="Times New Roman"/>
-                <a:ea typeface="MS Mincho"/>
-                <a:cs typeface="Times New Roman"/>
-              </a:rPr>
-              <a:t>おきます→おきて</a:t>
-            </a:r>
-            <a:endParaRPr lang="en-US" altLang="ja-JP" sz="2800" dirty="0" smtClean="0">
-              <a:solidFill>
-                <a:prstClr val="black"/>
-              </a:solidFill>
-              <a:latin typeface="Times New Roman"/>
-              <a:ea typeface="MS Mincho"/>
-              <a:cs typeface="Times New Roman"/>
-            </a:endParaRPr>
-          </a:p>
-          <a:p>
-            <a:r>
-              <a:rPr lang="ja-JP" altLang="en-US" sz="2800" dirty="0">
-                <a:solidFill>
-                  <a:prstClr val="black"/>
-                </a:solidFill>
-                <a:latin typeface="Times New Roman"/>
-                <a:ea typeface="MS Mincho"/>
-                <a:cs typeface="Times New Roman"/>
-              </a:rPr>
-              <a:t>おりま</a:t>
-            </a:r>
-            <a:r>
-              <a:rPr lang="ja-JP" altLang="en-US" sz="2800" dirty="0" smtClean="0">
-                <a:solidFill>
-                  <a:prstClr val="black"/>
-                </a:solidFill>
-                <a:latin typeface="Times New Roman"/>
-                <a:ea typeface="MS Mincho"/>
-                <a:cs typeface="Times New Roman"/>
-              </a:rPr>
-              <a:t>す→おりて</a:t>
-            </a:r>
-            <a:endParaRPr lang="en-US" altLang="ja-JP" sz="2800" dirty="0" smtClean="0">
-              <a:solidFill>
-                <a:prstClr val="black"/>
-              </a:solidFill>
-              <a:latin typeface="Times New Roman"/>
-              <a:ea typeface="MS Mincho"/>
-              <a:cs typeface="Times New Roman"/>
-            </a:endParaRPr>
-          </a:p>
-          <a:p>
-            <a:r>
-              <a:rPr lang="ja-JP" altLang="en-US" sz="2800" dirty="0">
-                <a:solidFill>
-                  <a:prstClr val="black"/>
-                </a:solidFill>
-                <a:latin typeface="Times New Roman"/>
-                <a:ea typeface="MS Mincho"/>
-                <a:cs typeface="Times New Roman"/>
-              </a:rPr>
-              <a:t>あびま</a:t>
-            </a:r>
-            <a:r>
-              <a:rPr lang="ja-JP" altLang="en-US" sz="2800" dirty="0" smtClean="0">
-                <a:solidFill>
-                  <a:prstClr val="black"/>
-                </a:solidFill>
-                <a:latin typeface="Times New Roman"/>
-                <a:ea typeface="MS Mincho"/>
-                <a:cs typeface="Times New Roman"/>
-              </a:rPr>
-              <a:t>す→あびて</a:t>
-            </a:r>
-            <a:endParaRPr lang="en-US" altLang="ja-JP" sz="2800" dirty="0" smtClean="0">
-              <a:solidFill>
-                <a:prstClr val="black"/>
-              </a:solidFill>
-              <a:latin typeface="Times New Roman"/>
-              <a:ea typeface="MS Mincho"/>
-              <a:cs typeface="Times New Roman"/>
-            </a:endParaRPr>
-          </a:p>
-          <a:p>
-            <a:r>
-              <a:rPr lang="ja-JP" altLang="en-US" sz="2800" dirty="0">
-                <a:solidFill>
-                  <a:prstClr val="black"/>
-                </a:solidFill>
-                <a:latin typeface="Times New Roman"/>
-                <a:ea typeface="MS Mincho"/>
-                <a:cs typeface="Times New Roman"/>
-              </a:rPr>
-              <a:t>きま</a:t>
-            </a:r>
-            <a:r>
-              <a:rPr lang="ja-JP" altLang="en-US" sz="2800" dirty="0" smtClean="0">
-                <a:solidFill>
-                  <a:prstClr val="black"/>
-                </a:solidFill>
-                <a:latin typeface="Times New Roman"/>
-                <a:ea typeface="MS Mincho"/>
-                <a:cs typeface="Times New Roman"/>
-              </a:rPr>
-              <a:t>す　→きて</a:t>
-            </a:r>
-            <a:endParaRPr lang="en-US" altLang="ja-JP" sz="2800" dirty="0" smtClean="0">
-              <a:solidFill>
-                <a:prstClr val="black"/>
-              </a:solidFill>
-              <a:latin typeface="Times New Roman"/>
-              <a:ea typeface="MS Mincho"/>
-              <a:cs typeface="Times New Roman"/>
-            </a:endParaRPr>
-          </a:p>
-          <a:p>
-            <a:r>
-              <a:rPr lang="ja-JP" altLang="en-US" sz="2800" dirty="0" smtClean="0">
-                <a:latin typeface="MS PMincho" pitchFamily="18" charset="-128"/>
-                <a:ea typeface="MS PMincho" pitchFamily="18" charset="-128"/>
-              </a:rPr>
-              <a:t>おちます</a:t>
-            </a:r>
-            <a:r>
-              <a:rPr lang="ja-JP" altLang="en-US" sz="2800" dirty="0" smtClean="0">
-                <a:solidFill>
-                  <a:prstClr val="black"/>
-                </a:solidFill>
-                <a:latin typeface="Times New Roman"/>
-                <a:ea typeface="MS Mincho"/>
-                <a:cs typeface="Times New Roman"/>
-              </a:rPr>
-              <a:t>→おちて</a:t>
-            </a:r>
-            <a:endParaRPr lang="en-US" altLang="ja-JP" sz="2800" dirty="0" smtClean="0">
-              <a:solidFill>
-                <a:prstClr val="black"/>
-              </a:solidFill>
-              <a:latin typeface="Times New Roman"/>
-              <a:ea typeface="MS Mincho"/>
-              <a:cs typeface="Times New Roman"/>
-            </a:endParaRPr>
-          </a:p>
-          <a:p>
-            <a:r>
-              <a:rPr lang="ja-JP" altLang="en-US" sz="2800" dirty="0">
-                <a:solidFill>
-                  <a:prstClr val="black"/>
-                </a:solidFill>
-                <a:latin typeface="Times New Roman"/>
-                <a:ea typeface="MS Mincho"/>
-                <a:cs typeface="Times New Roman"/>
-              </a:rPr>
-              <a:t>いま</a:t>
-            </a:r>
-            <a:r>
-              <a:rPr lang="ja-JP" altLang="en-US" sz="2800" dirty="0" smtClean="0">
-                <a:solidFill>
-                  <a:prstClr val="black"/>
-                </a:solidFill>
-                <a:latin typeface="Times New Roman"/>
-                <a:ea typeface="MS Mincho"/>
-                <a:cs typeface="Times New Roman"/>
-              </a:rPr>
-              <a:t>す　</a:t>
-            </a:r>
-            <a:r>
-              <a:rPr lang="ja-JP" altLang="en-US" sz="2800" dirty="0">
-                <a:solidFill>
-                  <a:prstClr val="black"/>
-                </a:solidFill>
-                <a:latin typeface="Times New Roman"/>
-                <a:ea typeface="MS Mincho"/>
-                <a:cs typeface="Times New Roman"/>
-              </a:rPr>
-              <a:t> </a:t>
-            </a:r>
-            <a:r>
-              <a:rPr lang="ja-JP" altLang="en-US" sz="2800" dirty="0" smtClean="0">
-                <a:solidFill>
-                  <a:prstClr val="black"/>
-                </a:solidFill>
-                <a:latin typeface="Times New Roman"/>
-                <a:ea typeface="MS Mincho"/>
-                <a:cs typeface="Times New Roman"/>
-              </a:rPr>
-              <a:t>→いて</a:t>
-            </a:r>
-            <a:endParaRPr lang="en-US" altLang="ja-JP" sz="2800" dirty="0" smtClean="0">
-              <a:solidFill>
-                <a:prstClr val="black"/>
-              </a:solidFill>
-              <a:latin typeface="Times New Roman"/>
-              <a:ea typeface="MS Mincho"/>
-              <a:cs typeface="Times New Roman"/>
-            </a:endParaRPr>
-          </a:p>
-          <a:p>
-            <a:r>
-              <a:rPr lang="ja-JP" altLang="en-US" sz="2800" dirty="0">
-                <a:solidFill>
-                  <a:prstClr val="black"/>
-                </a:solidFill>
-                <a:latin typeface="Times New Roman"/>
-                <a:ea typeface="MS Mincho"/>
-                <a:cs typeface="Times New Roman"/>
-              </a:rPr>
-              <a:t>かりま</a:t>
-            </a:r>
-            <a:r>
-              <a:rPr lang="ja-JP" altLang="en-US" sz="2800" dirty="0" smtClean="0">
-                <a:solidFill>
-                  <a:prstClr val="black"/>
-                </a:solidFill>
-                <a:latin typeface="Times New Roman"/>
-                <a:ea typeface="MS Mincho"/>
-                <a:cs typeface="Times New Roman"/>
-              </a:rPr>
-              <a:t>す→かりて</a:t>
-            </a:r>
-            <a:endParaRPr lang="en-US" altLang="ja-JP" sz="2800" dirty="0" smtClean="0">
-              <a:solidFill>
-                <a:prstClr val="black"/>
-              </a:solidFill>
-              <a:latin typeface="Times New Roman"/>
-              <a:ea typeface="MS Mincho"/>
-              <a:cs typeface="Times New Roman"/>
-            </a:endParaRPr>
-          </a:p>
-          <a:p>
-            <a:r>
-              <a:rPr lang="ja-JP" altLang="en-US" sz="2800" dirty="0">
-                <a:solidFill>
-                  <a:prstClr val="black"/>
-                </a:solidFill>
-                <a:latin typeface="Times New Roman"/>
-                <a:ea typeface="MS Mincho"/>
-                <a:cs typeface="Times New Roman"/>
-              </a:rPr>
-              <a:t>たりま</a:t>
-            </a:r>
-            <a:r>
-              <a:rPr lang="ja-JP" altLang="en-US" sz="2800" dirty="0" smtClean="0">
-                <a:solidFill>
-                  <a:prstClr val="black"/>
-                </a:solidFill>
-                <a:latin typeface="Times New Roman"/>
-                <a:ea typeface="MS Mincho"/>
-                <a:cs typeface="Times New Roman"/>
-              </a:rPr>
-              <a:t>す</a:t>
-            </a:r>
-            <a:r>
-              <a:rPr lang="ja-JP" altLang="en-US" sz="2800" dirty="0" smtClean="0">
-                <a:solidFill>
-                  <a:prstClr val="black"/>
-                </a:solidFill>
-                <a:latin typeface="Times New Roman"/>
-                <a:ea typeface="MS Mincho"/>
-                <a:cs typeface="Times New Roman"/>
-              </a:rPr>
-              <a:t>→</a:t>
-            </a:r>
-            <a:r>
-              <a:rPr lang="ja-JP" altLang="en-US" sz="2800" dirty="0">
-                <a:solidFill>
-                  <a:prstClr val="black"/>
-                </a:solidFill>
-                <a:latin typeface="Times New Roman"/>
-                <a:ea typeface="MS Mincho"/>
-                <a:cs typeface="Times New Roman"/>
-              </a:rPr>
-              <a:t>たり</a:t>
-            </a:r>
-            <a:r>
-              <a:rPr lang="ja-JP" altLang="en-US" sz="2800" dirty="0" smtClean="0">
-                <a:solidFill>
-                  <a:prstClr val="black"/>
-                </a:solidFill>
-                <a:latin typeface="Times New Roman"/>
-                <a:ea typeface="MS Mincho"/>
-                <a:cs typeface="Times New Roman"/>
-              </a:rPr>
-              <a:t>て</a:t>
-            </a:r>
-            <a:endParaRPr lang="en-US" altLang="ja-JP" sz="2800" dirty="0" smtClean="0">
-              <a:solidFill>
-                <a:prstClr val="black"/>
-              </a:solidFill>
-              <a:latin typeface="Times New Roman"/>
-              <a:ea typeface="MS Mincho"/>
-              <a:cs typeface="Times New Roman"/>
-            </a:endParaRPr>
-          </a:p>
-          <a:p>
-            <a:r>
-              <a:rPr lang="ja-JP" altLang="en-US" sz="2800" dirty="0">
-                <a:solidFill>
-                  <a:prstClr val="black"/>
-                </a:solidFill>
-                <a:latin typeface="Times New Roman"/>
-                <a:ea typeface="MS Mincho"/>
-                <a:cs typeface="Times New Roman"/>
-              </a:rPr>
-              <a:t>できま</a:t>
-            </a:r>
-            <a:r>
-              <a:rPr lang="ja-JP" altLang="en-US" sz="2800" dirty="0" smtClean="0">
-                <a:solidFill>
-                  <a:prstClr val="black"/>
-                </a:solidFill>
-                <a:latin typeface="Times New Roman"/>
-                <a:ea typeface="MS Mincho"/>
-                <a:cs typeface="Times New Roman"/>
-              </a:rPr>
-              <a:t>す→できて</a:t>
-            </a:r>
-            <a:endParaRPr lang="en-US" altLang="ja-JP" sz="2800" dirty="0" smtClean="0">
-              <a:solidFill>
-                <a:prstClr val="black"/>
-              </a:solidFill>
-              <a:latin typeface="Times New Roman"/>
-              <a:ea typeface="MS Mincho"/>
-              <a:cs typeface="Times New Roman"/>
-            </a:endParaRPr>
-          </a:p>
-          <a:p>
-            <a:r>
-              <a:rPr lang="ja-JP" altLang="en-US" sz="2800" dirty="0">
-                <a:solidFill>
-                  <a:prstClr val="black"/>
-                </a:solidFill>
-                <a:latin typeface="Times New Roman"/>
-                <a:ea typeface="MS Mincho"/>
-                <a:cs typeface="Times New Roman"/>
-              </a:rPr>
-              <a:t>みま</a:t>
-            </a:r>
-            <a:r>
-              <a:rPr lang="ja-JP" altLang="en-US" sz="2800" dirty="0" smtClean="0">
-                <a:solidFill>
-                  <a:prstClr val="black"/>
-                </a:solidFill>
-                <a:latin typeface="Times New Roman"/>
-                <a:ea typeface="MS Mincho"/>
-                <a:cs typeface="Times New Roman"/>
-              </a:rPr>
-              <a:t>す　</a:t>
-            </a:r>
-            <a:r>
-              <a:rPr lang="ja-JP" altLang="en-US" sz="2800" dirty="0">
-                <a:solidFill>
-                  <a:prstClr val="black"/>
-                </a:solidFill>
-                <a:latin typeface="Times New Roman"/>
-                <a:ea typeface="MS Mincho"/>
-                <a:cs typeface="Times New Roman"/>
-              </a:rPr>
-              <a:t> </a:t>
-            </a:r>
-            <a:r>
-              <a:rPr lang="ja-JP" altLang="en-US" sz="2800" dirty="0" smtClean="0">
-                <a:solidFill>
-                  <a:prstClr val="black"/>
-                </a:solidFill>
-                <a:latin typeface="Times New Roman"/>
-                <a:ea typeface="MS Mincho"/>
-                <a:cs typeface="Times New Roman"/>
-              </a:rPr>
-              <a:t>→みて</a:t>
-            </a:r>
-            <a:endParaRPr lang="en-US" sz="2800" dirty="0"/>
-          </a:p>
-        </p:txBody>
-      </p:sp>
+      <p:graphicFrame>
+        <p:nvGraphicFramePr>
+          <p:cNvPr id="3" name="Table 2"/>
+          <p:cNvGraphicFramePr>
+            <a:graphicFrameLocks noGrp="1"/>
+          </p:cNvGraphicFramePr>
+          <p:nvPr>
+            <p:extLst>
+              <p:ext uri="{D42A27DB-BD31-4B8C-83A1-F6EECF244321}">
+                <p14:modId xmlns:p14="http://schemas.microsoft.com/office/powerpoint/2010/main" val="185818386"/>
+              </p:ext>
+            </p:extLst>
+          </p:nvPr>
+        </p:nvGraphicFramePr>
+        <p:xfrm>
+          <a:off x="1654479" y="1447800"/>
+          <a:ext cx="6096000" cy="5181600"/>
+        </p:xfrm>
+        <a:graphic>
+          <a:graphicData uri="http://schemas.openxmlformats.org/drawingml/2006/table">
+            <a:tbl>
+              <a:tblPr firstRow="1" bandRow="1">
+                <a:tableStyleId>{5C22544A-7EE6-4342-B048-85BDC9FD1C3A}</a:tableStyleId>
+              </a:tblPr>
+              <a:tblGrid>
+                <a:gridCol w="3048000"/>
+                <a:gridCol w="3048000"/>
+              </a:tblGrid>
+              <a:tr h="370840">
+                <a:tc>
+                  <a:txBody>
+                    <a:bodyPr/>
+                    <a:lstStyle/>
+                    <a:p>
+                      <a:pPr marL="0" marR="0" lvl="0" indent="0" algn="l" defTabSz="914400" rtl="0" eaLnBrk="1" fontAlgn="auto" latinLnBrk="0" hangingPunct="1">
+                        <a:lnSpc>
+                          <a:spcPct val="115000"/>
+                        </a:lnSpc>
+                        <a:spcBef>
+                          <a:spcPts val="0"/>
+                        </a:spcBef>
+                        <a:spcAft>
+                          <a:spcPts val="1000"/>
+                        </a:spcAft>
+                        <a:buClrTx/>
+                        <a:buSzTx/>
+                        <a:buFontTx/>
+                        <a:buNone/>
+                        <a:tabLst/>
+                        <a:defRPr/>
+                      </a:pPr>
+                      <a:r>
+                        <a:rPr kumimoji="0" lang="vi-VN" sz="2200" b="0" i="0" u="none" strike="noStrike" kern="1200" cap="none" spc="0" normalizeH="0" baseline="0" noProof="0" dirty="0" smtClean="0">
+                          <a:ln>
+                            <a:noFill/>
+                          </a:ln>
+                          <a:solidFill>
+                            <a:prstClr val="black"/>
+                          </a:solidFill>
+                          <a:effectLst/>
+                          <a:uLnTx/>
+                          <a:uFillTx/>
+                          <a:latin typeface="Times New Roman" pitchFamily="18" charset="0"/>
+                          <a:ea typeface="MS Mincho"/>
+                          <a:cs typeface="Times New Roman" pitchFamily="18" charset="0"/>
+                        </a:rPr>
+                        <a:t>Sáng ra </a:t>
+                      </a:r>
+                      <a:r>
+                        <a:rPr kumimoji="0" lang="vi-VN" sz="2200" b="0" i="0" u="none" strike="noStrike" kern="1200" cap="none" spc="0" normalizeH="0" baseline="0" noProof="0" dirty="0" smtClean="0">
+                          <a:ln>
+                            <a:noFill/>
+                          </a:ln>
+                          <a:solidFill>
+                            <a:srgbClr val="FF0000"/>
+                          </a:solidFill>
+                          <a:effectLst/>
+                          <a:uLnTx/>
+                          <a:uFillTx/>
+                          <a:latin typeface="Times New Roman" pitchFamily="18" charset="0"/>
+                          <a:ea typeface="MS Mincho"/>
+                          <a:cs typeface="Times New Roman" pitchFamily="18" charset="0"/>
+                        </a:rPr>
+                        <a:t>thức</a:t>
+                      </a:r>
+                      <a:r>
+                        <a:rPr kumimoji="0" lang="vi-VN" sz="2200" b="0" i="0" u="none" strike="noStrike" kern="1200" cap="none" spc="0" normalizeH="0" baseline="0" noProof="0" dirty="0" smtClean="0">
+                          <a:ln>
+                            <a:noFill/>
+                          </a:ln>
+                          <a:solidFill>
+                            <a:prstClr val="black"/>
+                          </a:solidFill>
+                          <a:effectLst/>
+                          <a:uLnTx/>
+                          <a:uFillTx/>
+                          <a:latin typeface="Times New Roman" pitchFamily="18" charset="0"/>
+                          <a:ea typeface="MS Mincho"/>
+                          <a:cs typeface="Times New Roman" pitchFamily="18" charset="0"/>
+                        </a:rPr>
+                        <a:t> giấc</a:t>
+                      </a:r>
+                    </a:p>
+                  </a:txBody>
+                  <a:tcPr>
+                    <a:solidFill>
+                      <a:schemeClr val="accent1">
+                        <a:lumMod val="20000"/>
+                        <a:lumOff val="80000"/>
+                      </a:schemeClr>
+                    </a:solidFill>
+                  </a:tcPr>
+                </a:tc>
+                <a:tc>
+                  <a:txBody>
+                    <a:bodyPr/>
+                    <a:lstStyle/>
+                    <a:p>
+                      <a:r>
+                        <a:rPr kumimoji="0" lang="ja-JP" altLang="en-US" sz="2800" b="0" i="0" u="none" strike="noStrike" kern="1200" cap="none" spc="0" normalizeH="0" baseline="0" noProof="0" dirty="0" smtClean="0">
+                          <a:ln>
+                            <a:noFill/>
+                          </a:ln>
+                          <a:solidFill>
+                            <a:prstClr val="black"/>
+                          </a:solidFill>
+                          <a:effectLst/>
+                          <a:uLnTx/>
+                          <a:uFillTx/>
+                          <a:latin typeface="Times New Roman"/>
+                          <a:ea typeface="MS Mincho"/>
+                          <a:cs typeface="Times New Roman"/>
+                        </a:rPr>
+                        <a:t>おきます→おきて</a:t>
+                      </a:r>
+                      <a:endParaRPr lang="en-US" dirty="0"/>
+                    </a:p>
+                  </a:txBody>
+                  <a:tcPr>
+                    <a:solidFill>
+                      <a:schemeClr val="accent1">
+                        <a:lumMod val="20000"/>
+                        <a:lumOff val="80000"/>
+                      </a:schemeClr>
+                    </a:solidFill>
+                  </a:tcPr>
+                </a:tc>
+              </a:tr>
+              <a:tr h="370840">
+                <a:tc>
+                  <a:txBody>
+                    <a:bodyPr/>
+                    <a:lstStyle/>
+                    <a:p>
+                      <a:pPr marL="0" marR="0" lvl="0" indent="0" algn="l" defTabSz="914400" rtl="0" eaLnBrk="1" fontAlgn="auto" latinLnBrk="0" hangingPunct="1">
+                        <a:lnSpc>
+                          <a:spcPct val="115000"/>
+                        </a:lnSpc>
+                        <a:spcBef>
+                          <a:spcPts val="0"/>
+                        </a:spcBef>
+                        <a:spcAft>
+                          <a:spcPts val="1000"/>
+                        </a:spcAft>
+                        <a:buClrTx/>
+                        <a:buSzTx/>
+                        <a:buFontTx/>
+                        <a:buNone/>
+                        <a:tabLst/>
+                        <a:defRPr/>
+                      </a:pPr>
+                      <a:r>
+                        <a:rPr kumimoji="0" lang="vi-VN" sz="2200" b="0" i="0" u="none" strike="noStrike" kern="1200" cap="none" spc="0" normalizeH="0" baseline="0" noProof="0" dirty="0" smtClean="0">
+                          <a:ln>
+                            <a:noFill/>
+                          </a:ln>
+                          <a:solidFill>
+                            <a:prstClr val="black"/>
+                          </a:solidFill>
+                          <a:effectLst/>
+                          <a:uLnTx/>
+                          <a:uFillTx/>
+                          <a:latin typeface="Times New Roman" pitchFamily="18" charset="0"/>
+                          <a:ea typeface="MS Mincho"/>
+                          <a:cs typeface="Times New Roman" pitchFamily="18" charset="0"/>
+                        </a:rPr>
+                        <a:t>Bước </a:t>
+                      </a:r>
+                      <a:r>
+                        <a:rPr kumimoji="0" lang="vi-VN" sz="2200" b="0" i="0" u="none" strike="noStrike" kern="1200" cap="none" spc="0" normalizeH="0" baseline="0" noProof="0" dirty="0" smtClean="0">
+                          <a:ln>
+                            <a:noFill/>
+                          </a:ln>
+                          <a:solidFill>
+                            <a:srgbClr val="FF0000"/>
+                          </a:solidFill>
+                          <a:effectLst/>
+                          <a:uLnTx/>
+                          <a:uFillTx/>
+                          <a:latin typeface="Times New Roman" pitchFamily="18" charset="0"/>
+                          <a:ea typeface="MS Mincho"/>
+                          <a:cs typeface="Times New Roman" pitchFamily="18" charset="0"/>
+                        </a:rPr>
+                        <a:t>xuống</a:t>
+                      </a:r>
+                      <a:r>
+                        <a:rPr kumimoji="0" lang="vi-VN" sz="2200" b="0" i="0" u="none" strike="noStrike" kern="1200" cap="none" spc="0" normalizeH="0" baseline="0" noProof="0" dirty="0" smtClean="0">
+                          <a:ln>
+                            <a:noFill/>
+                          </a:ln>
+                          <a:solidFill>
+                            <a:prstClr val="black"/>
+                          </a:solidFill>
+                          <a:effectLst/>
+                          <a:uLnTx/>
+                          <a:uFillTx/>
+                          <a:latin typeface="Times New Roman" pitchFamily="18" charset="0"/>
+                          <a:ea typeface="MS Mincho"/>
+                          <a:cs typeface="Times New Roman" pitchFamily="18" charset="0"/>
+                        </a:rPr>
+                        <a:t> giường</a:t>
+                      </a:r>
+                    </a:p>
+                  </a:txBody>
+                  <a:tcPr/>
+                </a:tc>
+                <a:tc>
+                  <a:txBody>
+                    <a:bodyPr/>
+                    <a:lstStyle/>
+                    <a:p>
+                      <a:r>
+                        <a:rPr kumimoji="0" lang="ja-JP" altLang="en-US" sz="2800" b="0" i="0" u="none" strike="noStrike" kern="1200" cap="none" spc="0" normalizeH="0" baseline="0" noProof="0" dirty="0" smtClean="0">
+                          <a:ln>
+                            <a:noFill/>
+                          </a:ln>
+                          <a:solidFill>
+                            <a:prstClr val="black"/>
+                          </a:solidFill>
+                          <a:effectLst/>
+                          <a:uLnTx/>
+                          <a:uFillTx/>
+                          <a:latin typeface="Times New Roman"/>
+                          <a:ea typeface="MS Mincho"/>
+                          <a:cs typeface="Times New Roman"/>
+                        </a:rPr>
+                        <a:t>おります→おりて</a:t>
+                      </a:r>
+                      <a:endParaRPr lang="en-US" dirty="0"/>
+                    </a:p>
+                  </a:txBody>
+                  <a:tcPr/>
+                </a:tc>
+              </a:tr>
+              <a:tr h="370840">
+                <a:tc>
+                  <a:txBody>
+                    <a:bodyPr/>
+                    <a:lstStyle/>
+                    <a:p>
+                      <a:pPr marL="0" marR="0" lvl="0" indent="0" algn="l" defTabSz="914400" rtl="0" eaLnBrk="1" fontAlgn="auto" latinLnBrk="0" hangingPunct="1">
+                        <a:lnSpc>
+                          <a:spcPct val="115000"/>
+                        </a:lnSpc>
+                        <a:spcBef>
+                          <a:spcPts val="0"/>
+                        </a:spcBef>
+                        <a:spcAft>
+                          <a:spcPts val="1000"/>
+                        </a:spcAft>
+                        <a:buClrTx/>
+                        <a:buSzTx/>
+                        <a:buFontTx/>
+                        <a:buNone/>
+                        <a:tabLst/>
+                        <a:defRPr/>
+                      </a:pPr>
+                      <a:r>
+                        <a:rPr kumimoji="0" lang="vi-VN" sz="2200" b="0" i="0" u="none" strike="noStrike" kern="1200" cap="none" spc="0" normalizeH="0" baseline="0" noProof="0" dirty="0" smtClean="0">
+                          <a:ln>
+                            <a:noFill/>
+                          </a:ln>
+                          <a:solidFill>
+                            <a:prstClr val="black"/>
+                          </a:solidFill>
+                          <a:effectLst/>
+                          <a:uLnTx/>
+                          <a:uFillTx/>
+                          <a:latin typeface="Times New Roman" pitchFamily="18" charset="0"/>
+                          <a:ea typeface="MS Mincho"/>
+                          <a:cs typeface="Times New Roman" pitchFamily="18" charset="0"/>
+                        </a:rPr>
+                        <a:t>Đi </a:t>
+                      </a:r>
+                      <a:r>
+                        <a:rPr kumimoji="0" lang="vi-VN" sz="2200" b="0" i="0" u="none" strike="noStrike" kern="1200" cap="none" spc="0" normalizeH="0" baseline="0" noProof="0" dirty="0" smtClean="0">
+                          <a:ln>
+                            <a:noFill/>
+                          </a:ln>
+                          <a:solidFill>
+                            <a:srgbClr val="FF0000"/>
+                          </a:solidFill>
+                          <a:effectLst/>
+                          <a:uLnTx/>
+                          <a:uFillTx/>
+                          <a:latin typeface="Times New Roman" pitchFamily="18" charset="0"/>
+                          <a:ea typeface="MS Mincho"/>
+                          <a:cs typeface="Times New Roman" pitchFamily="18" charset="0"/>
+                        </a:rPr>
+                        <a:t>tắm</a:t>
+                      </a:r>
+                    </a:p>
+                  </a:txBody>
+                  <a:tcPr/>
+                </a:tc>
+                <a:tc>
+                  <a:txBody>
+                    <a:bodyPr/>
+                    <a:lstStyle/>
+                    <a:p>
+                      <a:r>
+                        <a:rPr kumimoji="0" lang="ja-JP" altLang="en-US" sz="2800" b="0" i="0" u="none" strike="noStrike" kern="1200" cap="none" spc="0" normalizeH="0" baseline="0" noProof="0" dirty="0" smtClean="0">
+                          <a:ln>
+                            <a:noFill/>
+                          </a:ln>
+                          <a:solidFill>
+                            <a:prstClr val="black"/>
+                          </a:solidFill>
+                          <a:effectLst/>
+                          <a:uLnTx/>
+                          <a:uFillTx/>
+                          <a:latin typeface="Times New Roman"/>
+                          <a:ea typeface="MS Mincho"/>
+                          <a:cs typeface="Times New Roman"/>
+                        </a:rPr>
+                        <a:t>あびます→あびて</a:t>
+                      </a:r>
+                      <a:endParaRPr lang="en-US" dirty="0"/>
+                    </a:p>
+                  </a:txBody>
+                  <a:tcPr/>
+                </a:tc>
+              </a:tr>
+              <a:tr h="370840">
+                <a:tc>
+                  <a:txBody>
+                    <a:bodyPr/>
+                    <a:lstStyle/>
+                    <a:p>
+                      <a:r>
+                        <a:rPr kumimoji="0" lang="vi-VN" sz="2200" b="0" i="0" u="none" strike="noStrike" kern="1200" cap="none" spc="0" normalizeH="0" baseline="0" noProof="0" dirty="0" smtClean="0">
+                          <a:ln>
+                            <a:noFill/>
+                          </a:ln>
+                          <a:solidFill>
+                            <a:srgbClr val="FF0000"/>
+                          </a:solidFill>
+                          <a:effectLst/>
+                          <a:uLnTx/>
+                          <a:uFillTx/>
+                          <a:latin typeface="Times New Roman" pitchFamily="18" charset="0"/>
+                          <a:ea typeface="MS Mincho"/>
+                          <a:cs typeface="Times New Roman" pitchFamily="18" charset="0"/>
+                        </a:rPr>
+                        <a:t>Mặc</a:t>
+                      </a:r>
+                      <a:r>
+                        <a:rPr kumimoji="0" lang="vi-VN" sz="2200" b="0" i="0" u="none" strike="noStrike" kern="1200" cap="none" spc="0" normalizeH="0" baseline="0" noProof="0" dirty="0" smtClean="0">
+                          <a:ln>
+                            <a:noFill/>
+                          </a:ln>
+                          <a:solidFill>
+                            <a:prstClr val="black"/>
+                          </a:solidFill>
+                          <a:effectLst/>
+                          <a:uLnTx/>
+                          <a:uFillTx/>
+                          <a:latin typeface="Times New Roman" pitchFamily="18" charset="0"/>
+                          <a:ea typeface="MS Mincho"/>
+                          <a:cs typeface="Times New Roman" pitchFamily="18" charset="0"/>
+                        </a:rPr>
+                        <a:t> quần áo</a:t>
+                      </a:r>
+                      <a:endParaRPr lang="en-US" dirty="0"/>
+                    </a:p>
+                  </a:txBody>
+                  <a:tcPr/>
+                </a:tc>
+                <a:tc>
+                  <a:txBody>
+                    <a:bodyPr/>
+                    <a:lstStyle/>
+                    <a:p>
+                      <a:r>
+                        <a:rPr kumimoji="0" lang="ja-JP" altLang="en-US" sz="2800" b="0" i="0" u="none" strike="noStrike" kern="1200" cap="none" spc="0" normalizeH="0" baseline="0" noProof="0" dirty="0" smtClean="0">
+                          <a:ln>
+                            <a:noFill/>
+                          </a:ln>
+                          <a:solidFill>
+                            <a:prstClr val="black"/>
+                          </a:solidFill>
+                          <a:effectLst/>
+                          <a:uLnTx/>
+                          <a:uFillTx/>
+                          <a:latin typeface="Times New Roman"/>
+                          <a:ea typeface="MS Mincho"/>
+                          <a:cs typeface="Times New Roman"/>
+                        </a:rPr>
+                        <a:t>きます　→きて</a:t>
+                      </a:r>
+                      <a:endParaRPr lang="en-US" dirty="0"/>
+                    </a:p>
+                  </a:txBody>
+                  <a:tcPr/>
+                </a:tc>
+              </a:tr>
+              <a:tr h="370840">
+                <a:tc>
+                  <a:txBody>
+                    <a:bodyPr/>
+                    <a:lstStyle/>
+                    <a:p>
+                      <a:r>
+                        <a:rPr kumimoji="0" lang="vi-VN" sz="2200" b="0" i="0" u="none" strike="noStrike" kern="1200" cap="none" spc="0" normalizeH="0" baseline="0" noProof="0" dirty="0" smtClean="0">
+                          <a:ln>
+                            <a:noFill/>
+                          </a:ln>
+                          <a:solidFill>
+                            <a:prstClr val="black"/>
+                          </a:solidFill>
+                          <a:effectLst/>
+                          <a:uLnTx/>
+                          <a:uFillTx/>
+                          <a:latin typeface="Times New Roman" pitchFamily="18" charset="0"/>
+                          <a:ea typeface="MS Mincho"/>
+                          <a:cs typeface="Times New Roman" pitchFamily="18" charset="0"/>
+                        </a:rPr>
+                        <a:t>Đánh </a:t>
+                      </a:r>
+                      <a:r>
+                        <a:rPr kumimoji="0" lang="vi-VN" sz="2200" b="0" i="0" u="none" strike="noStrike" kern="1200" cap="none" spc="0" normalizeH="0" baseline="0" noProof="0" dirty="0" smtClean="0">
+                          <a:ln>
+                            <a:noFill/>
+                          </a:ln>
+                          <a:solidFill>
+                            <a:srgbClr val="FF0000"/>
+                          </a:solidFill>
+                          <a:effectLst/>
+                          <a:uLnTx/>
+                          <a:uFillTx/>
+                          <a:latin typeface="Times New Roman" pitchFamily="18" charset="0"/>
+                          <a:ea typeface="MS Mincho"/>
+                          <a:cs typeface="Times New Roman" pitchFamily="18" charset="0"/>
+                        </a:rPr>
+                        <a:t>rơi</a:t>
+                      </a:r>
+                      <a:r>
+                        <a:rPr kumimoji="0" lang="vi-VN" sz="2200" b="0" i="0" u="none" strike="noStrike" kern="1200" cap="none" spc="0" normalizeH="0" baseline="0" noProof="0" dirty="0" smtClean="0">
+                          <a:ln>
+                            <a:noFill/>
+                          </a:ln>
+                          <a:solidFill>
+                            <a:prstClr val="black"/>
+                          </a:solidFill>
+                          <a:effectLst/>
+                          <a:uLnTx/>
+                          <a:uFillTx/>
+                          <a:latin typeface="Times New Roman" pitchFamily="18" charset="0"/>
+                          <a:ea typeface="MS Mincho"/>
+                          <a:cs typeface="Times New Roman" pitchFamily="18" charset="0"/>
+                        </a:rPr>
+                        <a:t> tiền</a:t>
+                      </a:r>
+                      <a:endParaRPr lang="en-US" dirty="0"/>
+                    </a:p>
+                  </a:txBody>
+                  <a:tcPr/>
+                </a:tc>
+                <a:tc>
+                  <a:txBody>
+                    <a:bodyPr/>
+                    <a:lstStyle/>
+                    <a:p>
+                      <a:r>
+                        <a:rPr kumimoji="0" lang="ja-JP" altLang="en-US" sz="2800" b="0" i="0" u="none" strike="noStrike" kern="1200" cap="none" spc="0" normalizeH="0" baseline="0" noProof="0" dirty="0" smtClean="0">
+                          <a:ln>
+                            <a:noFill/>
+                          </a:ln>
+                          <a:solidFill>
+                            <a:prstClr val="black"/>
+                          </a:solidFill>
+                          <a:effectLst/>
+                          <a:uLnTx/>
+                          <a:uFillTx/>
+                          <a:latin typeface="MS PMincho" pitchFamily="18" charset="-128"/>
+                          <a:ea typeface="MS PMincho" pitchFamily="18" charset="-128"/>
+                          <a:cs typeface="+mn-cs"/>
+                        </a:rPr>
+                        <a:t>おちます</a:t>
+                      </a:r>
+                      <a:r>
+                        <a:rPr kumimoji="0" lang="ja-JP" altLang="en-US" sz="2800" b="0" i="0" u="none" strike="noStrike" kern="1200" cap="none" spc="0" normalizeH="0" baseline="0" noProof="0" dirty="0" smtClean="0">
+                          <a:ln>
+                            <a:noFill/>
+                          </a:ln>
+                          <a:solidFill>
+                            <a:prstClr val="black"/>
+                          </a:solidFill>
+                          <a:effectLst/>
+                          <a:uLnTx/>
+                          <a:uFillTx/>
+                          <a:latin typeface="Times New Roman"/>
+                          <a:ea typeface="MS Mincho"/>
+                          <a:cs typeface="Times New Roman"/>
+                        </a:rPr>
+                        <a:t>→おちて</a:t>
+                      </a:r>
+                      <a:endParaRPr lang="en-US" dirty="0"/>
+                    </a:p>
+                  </a:txBody>
+                  <a:tcPr/>
+                </a:tc>
+              </a:tr>
+              <a:tr h="370840">
+                <a:tc>
+                  <a:txBody>
+                    <a:bodyPr/>
+                    <a:lstStyle/>
+                    <a:p>
+                      <a:r>
+                        <a:rPr kumimoji="0" lang="vi-VN" sz="2200" b="0" i="0" u="none" strike="noStrike" kern="1200" cap="none" spc="0" normalizeH="0" baseline="0" noProof="0" dirty="0" smtClean="0">
+                          <a:ln>
+                            <a:noFill/>
+                          </a:ln>
+                          <a:solidFill>
+                            <a:srgbClr val="FF0000"/>
+                          </a:solidFill>
+                          <a:effectLst/>
+                          <a:uLnTx/>
+                          <a:uFillTx/>
+                          <a:latin typeface="Times New Roman" pitchFamily="18" charset="0"/>
+                          <a:ea typeface="MS Mincho"/>
+                          <a:cs typeface="Times New Roman" pitchFamily="18" charset="0"/>
+                        </a:rPr>
+                        <a:t>Có</a:t>
+                      </a:r>
+                      <a:r>
+                        <a:rPr kumimoji="0" lang="vi-VN" sz="2200" b="0" i="0" u="none" strike="noStrike" kern="1200" cap="none" spc="0" normalizeH="0" baseline="0" noProof="0" dirty="0" smtClean="0">
+                          <a:ln>
+                            <a:noFill/>
+                          </a:ln>
+                          <a:solidFill>
+                            <a:prstClr val="black"/>
+                          </a:solidFill>
+                          <a:effectLst/>
+                          <a:uLnTx/>
+                          <a:uFillTx/>
+                          <a:latin typeface="Times New Roman" pitchFamily="18" charset="0"/>
+                          <a:ea typeface="MS Mincho"/>
+                          <a:cs typeface="Times New Roman" pitchFamily="18" charset="0"/>
+                        </a:rPr>
+                        <a:t> người đến</a:t>
+                      </a:r>
+                      <a:endParaRPr lang="en-US" dirty="0"/>
+                    </a:p>
+                  </a:txBody>
+                  <a:tcPr/>
+                </a:tc>
+                <a:tc>
+                  <a:txBody>
+                    <a:bodyPr/>
+                    <a:lstStyle/>
+                    <a:p>
+                      <a:r>
+                        <a:rPr kumimoji="0" lang="ja-JP" altLang="en-US" sz="2800" b="0" i="0" u="none" strike="noStrike" kern="1200" cap="none" spc="0" normalizeH="0" baseline="0" noProof="0" dirty="0" smtClean="0">
+                          <a:ln>
+                            <a:noFill/>
+                          </a:ln>
+                          <a:solidFill>
+                            <a:prstClr val="black"/>
+                          </a:solidFill>
+                          <a:effectLst/>
+                          <a:uLnTx/>
+                          <a:uFillTx/>
+                          <a:latin typeface="Times New Roman"/>
+                          <a:ea typeface="MS Mincho"/>
+                          <a:cs typeface="Times New Roman"/>
+                        </a:rPr>
+                        <a:t>います　 →いて</a:t>
+                      </a:r>
+                      <a:endParaRPr lang="en-US" dirty="0"/>
+                    </a:p>
+                  </a:txBody>
+                  <a:tcPr/>
+                </a:tc>
+              </a:tr>
+              <a:tr h="370840">
+                <a:tc>
+                  <a:txBody>
+                    <a:bodyPr/>
+                    <a:lstStyle/>
+                    <a:p>
+                      <a:r>
+                        <a:rPr kumimoji="0" lang="vi-VN" sz="2200" b="0" i="0" u="none" strike="noStrike" kern="1200" cap="none" spc="0" normalizeH="0" baseline="0" noProof="0" dirty="0" smtClean="0">
+                          <a:ln>
+                            <a:noFill/>
+                          </a:ln>
+                          <a:solidFill>
+                            <a:srgbClr val="FF0000"/>
+                          </a:solidFill>
+                          <a:effectLst/>
+                          <a:uLnTx/>
+                          <a:uFillTx/>
+                          <a:latin typeface="Times New Roman" pitchFamily="18" charset="0"/>
+                          <a:ea typeface="MS Mincho"/>
+                          <a:cs typeface="Times New Roman" pitchFamily="18" charset="0"/>
+                        </a:rPr>
+                        <a:t>Va</a:t>
+                      </a:r>
+                      <a:r>
+                        <a:rPr kumimoji="0" lang="vi-VN" sz="2200" b="0" i="0" u="none" strike="noStrike" kern="1200" cap="none" spc="0" normalizeH="0" baseline="0" noProof="0" dirty="0" smtClean="0">
+                          <a:ln>
+                            <a:noFill/>
+                          </a:ln>
+                          <a:solidFill>
+                            <a:prstClr val="black"/>
+                          </a:solidFill>
+                          <a:effectLst/>
+                          <a:uLnTx/>
+                          <a:uFillTx/>
+                          <a:latin typeface="Times New Roman" pitchFamily="18" charset="0"/>
+                          <a:ea typeface="MS Mincho"/>
+                          <a:cs typeface="Times New Roman" pitchFamily="18" charset="0"/>
+                        </a:rPr>
+                        <a:t>y tiền</a:t>
+                      </a:r>
+                      <a:endParaRPr lang="en-US" dirty="0"/>
+                    </a:p>
+                  </a:txBody>
+                  <a:tcPr/>
+                </a:tc>
+                <a:tc>
+                  <a:txBody>
+                    <a:bodyPr/>
+                    <a:lstStyle/>
+                    <a:p>
+                      <a:r>
+                        <a:rPr kumimoji="0" lang="ja-JP" altLang="en-US" sz="2800" b="0" i="0" u="none" strike="noStrike" kern="1200" cap="none" spc="0" normalizeH="0" baseline="0" noProof="0" dirty="0" smtClean="0">
+                          <a:ln>
+                            <a:noFill/>
+                          </a:ln>
+                          <a:solidFill>
+                            <a:prstClr val="black"/>
+                          </a:solidFill>
+                          <a:effectLst/>
+                          <a:uLnTx/>
+                          <a:uFillTx/>
+                          <a:latin typeface="Times New Roman"/>
+                          <a:ea typeface="MS Mincho"/>
+                          <a:cs typeface="Times New Roman"/>
+                        </a:rPr>
+                        <a:t>かります→かりて</a:t>
+                      </a:r>
+                      <a:endParaRPr lang="en-US" dirty="0"/>
+                    </a:p>
+                  </a:txBody>
+                  <a:tcPr/>
+                </a:tc>
+              </a:tr>
+              <a:tr h="370840">
+                <a:tc>
+                  <a:txBody>
+                    <a:bodyPr/>
+                    <a:lstStyle/>
+                    <a:p>
+                      <a:r>
+                        <a:rPr kumimoji="0" lang="vi-VN" sz="2200" b="0" i="0" u="none" strike="noStrike" kern="1200" cap="none" spc="0" normalizeH="0" baseline="0" noProof="0" dirty="0" smtClean="0">
+                          <a:ln>
+                            <a:noFill/>
+                          </a:ln>
+                          <a:solidFill>
+                            <a:prstClr val="black"/>
+                          </a:solidFill>
+                          <a:effectLst/>
+                          <a:uLnTx/>
+                          <a:uFillTx/>
+                          <a:latin typeface="Times New Roman" pitchFamily="18" charset="0"/>
+                          <a:ea typeface="MS Mincho"/>
+                          <a:cs typeface="Times New Roman" pitchFamily="18" charset="0"/>
+                        </a:rPr>
+                        <a:t>Cho </a:t>
+                      </a:r>
+                      <a:r>
+                        <a:rPr kumimoji="0" lang="vi-VN" sz="2200" b="0" i="0" u="none" strike="noStrike" kern="1200" cap="none" spc="0" normalizeH="0" baseline="0" noProof="0" dirty="0" smtClean="0">
+                          <a:ln>
+                            <a:noFill/>
+                          </a:ln>
+                          <a:solidFill>
+                            <a:srgbClr val="FF0000"/>
+                          </a:solidFill>
+                          <a:effectLst/>
+                          <a:uLnTx/>
+                          <a:uFillTx/>
+                          <a:latin typeface="Times New Roman" pitchFamily="18" charset="0"/>
+                          <a:ea typeface="MS Mincho"/>
+                          <a:cs typeface="Times New Roman" pitchFamily="18" charset="0"/>
+                        </a:rPr>
+                        <a:t>đủ</a:t>
+                      </a:r>
+                      <a:endParaRPr lang="en-US" dirty="0"/>
+                    </a:p>
+                  </a:txBody>
+                  <a:tcPr/>
+                </a:tc>
+                <a:tc>
+                  <a:txBody>
+                    <a:bodyPr/>
+                    <a:lstStyle/>
+                    <a:p>
+                      <a:r>
+                        <a:rPr kumimoji="0" lang="ja-JP" altLang="en-US" sz="2800" b="0" i="0" u="none" strike="noStrike" kern="1200" cap="none" spc="0" normalizeH="0" baseline="0" noProof="0" dirty="0" smtClean="0">
+                          <a:ln>
+                            <a:noFill/>
+                          </a:ln>
+                          <a:solidFill>
+                            <a:prstClr val="black"/>
+                          </a:solidFill>
+                          <a:effectLst/>
+                          <a:uLnTx/>
+                          <a:uFillTx/>
+                          <a:latin typeface="Times New Roman"/>
+                          <a:ea typeface="MS Mincho"/>
+                          <a:cs typeface="Times New Roman"/>
+                        </a:rPr>
+                        <a:t>たります→たりて</a:t>
+                      </a:r>
+                      <a:endParaRPr lang="en-US" dirty="0"/>
+                    </a:p>
+                  </a:txBody>
+                  <a:tcPr/>
+                </a:tc>
+              </a:tr>
+              <a:tr h="370840">
+                <a:tc>
+                  <a:txBody>
+                    <a:bodyPr/>
+                    <a:lstStyle/>
+                    <a:p>
+                      <a:r>
+                        <a:rPr kumimoji="0" lang="vi-VN" sz="2200" b="0" i="0" u="none" strike="noStrike" kern="1200" cap="none" spc="0" normalizeH="0" baseline="0" noProof="0" dirty="0" smtClean="0">
+                          <a:ln>
+                            <a:noFill/>
+                          </a:ln>
+                          <a:solidFill>
+                            <a:prstClr val="black"/>
+                          </a:solidFill>
+                          <a:effectLst/>
+                          <a:uLnTx/>
+                          <a:uFillTx/>
+                          <a:latin typeface="Times New Roman" pitchFamily="18" charset="0"/>
+                          <a:ea typeface="MS Mincho"/>
+                          <a:cs typeface="Times New Roman" pitchFamily="18" charset="0"/>
+                        </a:rPr>
+                        <a:t>Để </a:t>
+                      </a:r>
+                      <a:r>
+                        <a:rPr kumimoji="0" lang="vi-VN" sz="2200" b="0" i="0" u="none" strike="noStrike" kern="1200" cap="none" spc="0" normalizeH="0" baseline="0" noProof="0" dirty="0" smtClean="0">
+                          <a:ln>
+                            <a:noFill/>
+                          </a:ln>
+                          <a:solidFill>
+                            <a:srgbClr val="FF0000"/>
+                          </a:solidFill>
+                          <a:effectLst/>
+                          <a:uLnTx/>
+                          <a:uFillTx/>
+                          <a:latin typeface="Times New Roman" pitchFamily="18" charset="0"/>
+                          <a:ea typeface="MS Mincho"/>
+                          <a:cs typeface="Times New Roman" pitchFamily="18" charset="0"/>
+                        </a:rPr>
+                        <a:t>có thể</a:t>
+                      </a:r>
+                      <a:endParaRPr lang="en-US" dirty="0"/>
+                    </a:p>
+                  </a:txBody>
+                  <a:tcPr/>
+                </a:tc>
+                <a:tc>
+                  <a:txBody>
+                    <a:bodyPr/>
+                    <a:lstStyle/>
+                    <a:p>
+                      <a:r>
+                        <a:rPr kumimoji="0" lang="ja-JP" altLang="en-US" sz="2800" b="0" i="0" u="none" strike="noStrike" kern="1200" cap="none" spc="0" normalizeH="0" baseline="0" noProof="0" dirty="0" smtClean="0">
+                          <a:ln>
+                            <a:noFill/>
+                          </a:ln>
+                          <a:solidFill>
+                            <a:prstClr val="black"/>
+                          </a:solidFill>
+                          <a:effectLst/>
+                          <a:uLnTx/>
+                          <a:uFillTx/>
+                          <a:latin typeface="Times New Roman"/>
+                          <a:ea typeface="MS Mincho"/>
+                          <a:cs typeface="Times New Roman"/>
+                        </a:rPr>
+                        <a:t>できます→できて</a:t>
+                      </a:r>
+                      <a:endParaRPr lang="en-US" dirty="0"/>
+                    </a:p>
+                  </a:txBody>
+                  <a:tcPr/>
+                </a:tc>
+              </a:tr>
+              <a:tr h="370840">
+                <a:tc>
+                  <a:txBody>
+                    <a:bodyPr/>
+                    <a:lstStyle/>
+                    <a:p>
+                      <a:r>
+                        <a:rPr kumimoji="0" lang="vi-VN" sz="2200" b="0" i="0" u="none" strike="noStrike" kern="1200" cap="none" spc="0" normalizeH="0" baseline="0" noProof="0" dirty="0" smtClean="0">
+                          <a:ln>
+                            <a:noFill/>
+                          </a:ln>
+                          <a:solidFill>
+                            <a:srgbClr val="FF0000"/>
+                          </a:solidFill>
+                          <a:effectLst/>
+                          <a:uLnTx/>
+                          <a:uFillTx/>
+                          <a:latin typeface="Times New Roman" pitchFamily="18" charset="0"/>
+                          <a:ea typeface="MS Mincho"/>
+                          <a:cs typeface="Times New Roman" pitchFamily="18" charset="0"/>
+                        </a:rPr>
+                        <a:t>Xem</a:t>
+                      </a:r>
+                      <a:r>
+                        <a:rPr kumimoji="0" lang="vi-VN" sz="2200" b="0" i="0" u="none" strike="noStrike" kern="1200" cap="none" spc="0" normalizeH="0" baseline="0" noProof="0" dirty="0" smtClean="0">
+                          <a:ln>
+                            <a:noFill/>
+                          </a:ln>
+                          <a:solidFill>
+                            <a:prstClr val="black"/>
+                          </a:solidFill>
+                          <a:effectLst/>
+                          <a:uLnTx/>
+                          <a:uFillTx/>
+                          <a:latin typeface="Times New Roman" pitchFamily="18" charset="0"/>
+                          <a:ea typeface="MS Mincho"/>
+                          <a:cs typeface="Times New Roman" pitchFamily="18" charset="0"/>
+                        </a:rPr>
+                        <a:t> phim</a:t>
+                      </a:r>
+                      <a:endParaRPr lang="en-US" dirty="0"/>
+                    </a:p>
+                  </a:txBody>
+                  <a:tcPr/>
+                </a:tc>
+                <a:tc>
+                  <a:txBody>
+                    <a:bodyPr/>
+                    <a:lstStyle/>
+                    <a:p>
+                      <a:r>
+                        <a:rPr kumimoji="0" lang="ja-JP" altLang="en-US" sz="2800" b="0" i="0" u="none" strike="noStrike" kern="1200" cap="none" spc="0" normalizeH="0" baseline="0" noProof="0" dirty="0" smtClean="0">
+                          <a:ln>
+                            <a:noFill/>
+                          </a:ln>
+                          <a:solidFill>
+                            <a:prstClr val="black"/>
+                          </a:solidFill>
+                          <a:effectLst/>
+                          <a:uLnTx/>
+                          <a:uFillTx/>
+                          <a:latin typeface="Times New Roman"/>
+                          <a:ea typeface="MS Mincho"/>
+                          <a:cs typeface="Times New Roman"/>
+                        </a:rPr>
+                        <a:t>みます　 →みて</a:t>
+                      </a:r>
+                      <a:endParaRPr lang="en-US" dirty="0"/>
+                    </a:p>
+                  </a:txBody>
+                  <a:tcPr/>
+                </a:tc>
+              </a:tr>
+            </a:tbl>
+          </a:graphicData>
+        </a:graphic>
+      </p:graphicFrame>
     </p:spTree>
     <p:extLst>
       <p:ext uri="{BB962C8B-B14F-4D97-AF65-F5344CB8AC3E}">
@@ -11884,7 +12041,7 @@
   <a:extraClrSchemeLst/>
   <a:extLst>
     <a:ext uri="{05A4C25C-085E-4340-85A3-A5531E510DB2}">
-      <thm15:themeFamily xmlns="" xmlns:thm15="http://schemas.microsoft.com/office/thememl/2012/main" name="Office Theme" id="{62F939B6-93AF-4DB8-9C6B-D6C7DFDC589F}" vid="{4A3C46E8-61CC-4603-A589-7422A47A8E4A}"/>
+      <thm15:themeFamily xmlns:thm15="http://schemas.microsoft.com/office/thememl/2012/main" xmlns="" name="Office Theme" id="{62F939B6-93AF-4DB8-9C6B-D6C7DFDC589F}" vid="{4A3C46E8-61CC-4603-A589-7422A47A8E4A}"/>
     </a:ext>
   </a:extLst>
 </a:theme>
